--- a/PowerPoint Presentation/Dome Presentation.pptx
+++ b/PowerPoint Presentation/Dome Presentation.pptx
@@ -233,7 +233,7 @@
           <a:p>
             <a:fld id="{AEC203E9-3C4B-E945-9B22-01ED04313CA9}" type="datetime1">
               <a:rPr lang="en-CA" smtClean="0"/>
-              <a:t>08/06/2013</a:t>
+              <a:t>21/06/2013</a:t>
             </a:fld>
             <a:endParaRPr lang="en-US"/>
           </a:p>
@@ -399,7 +399,7 @@
           <a:p>
             <a:fld id="{162672D6-15D6-2D45-B765-DB409C3382F1}" type="datetime1">
               <a:rPr lang="en-CA" smtClean="0"/>
-              <a:t>08/06/2013</a:t>
+              <a:t>21/06/2013</a:t>
             </a:fld>
             <a:endParaRPr lang="en-US"/>
           </a:p>
@@ -875,7 +875,7 @@
           <a:p>
             <a:fld id="{6DA39D79-6A48-134E-B0F2-731A2600BB25}" type="datetimeFigureOut">
               <a:rPr lang="en-US" smtClean="0"/>
-              <a:t>6/8/2013</a:t>
+              <a:t>6/21/2013</a:t>
             </a:fld>
             <a:endParaRPr lang="en-US"/>
           </a:p>
@@ -1176,7 +1176,7 @@
             <a:fld id="{6DA39D79-6A48-134E-B0F2-731A2600BB25}" type="datetimeFigureOut">
               <a:rPr lang="en-US" smtClean="0"/>
               <a:pPr/>
-              <a:t>6/8/2013</a:t>
+              <a:t>6/21/2013</a:t>
             </a:fld>
             <a:endParaRPr lang="en-US"/>
           </a:p>
@@ -1904,7 +1904,7 @@
             <a:fld id="{6DA39D79-6A48-134E-B0F2-731A2600BB25}" type="datetimeFigureOut">
               <a:rPr lang="en-US" smtClean="0"/>
               <a:pPr/>
-              <a:t>6/8/2013</a:t>
+              <a:t>6/21/2013</a:t>
             </a:fld>
             <a:endParaRPr lang="en-US"/>
           </a:p>
@@ -2211,7 +2211,7 @@
             <a:fld id="{6DA39D79-6A48-134E-B0F2-731A2600BB25}" type="datetimeFigureOut">
               <a:rPr lang="en-US" smtClean="0"/>
               <a:pPr/>
-              <a:t>6/8/2013</a:t>
+              <a:t>6/21/2013</a:t>
             </a:fld>
             <a:endParaRPr lang="en-US"/>
           </a:p>
@@ -2446,7 +2446,7 @@
             <a:fld id="{6DA39D79-6A48-134E-B0F2-731A2600BB25}" type="datetimeFigureOut">
               <a:rPr lang="en-US" smtClean="0"/>
               <a:pPr/>
-              <a:t>6/8/2013</a:t>
+              <a:t>6/21/2013</a:t>
             </a:fld>
             <a:endParaRPr lang="en-US"/>
           </a:p>
@@ -3186,7 +3186,7 @@
             <a:fld id="{6DA39D79-6A48-134E-B0F2-731A2600BB25}" type="datetimeFigureOut">
               <a:rPr lang="en-US" smtClean="0"/>
               <a:pPr/>
-              <a:t>6/8/2013</a:t>
+              <a:t>6/21/2013</a:t>
             </a:fld>
             <a:endParaRPr lang="en-US"/>
           </a:p>
@@ -3436,7 +3436,7 @@
             <a:fld id="{6DA39D79-6A48-134E-B0F2-731A2600BB25}" type="datetimeFigureOut">
               <a:rPr lang="en-US" smtClean="0"/>
               <a:pPr/>
-              <a:t>6/8/2013</a:t>
+              <a:t>6/21/2013</a:t>
             </a:fld>
             <a:endParaRPr lang="en-US"/>
           </a:p>
@@ -3701,7 +3701,7 @@
             <a:fld id="{6DA39D79-6A48-134E-B0F2-731A2600BB25}" type="datetimeFigureOut">
               <a:rPr lang="en-US" smtClean="0"/>
               <a:pPr/>
-              <a:t>6/8/2013</a:t>
+              <a:t>6/21/2013</a:t>
             </a:fld>
             <a:endParaRPr lang="en-US"/>
           </a:p>
@@ -4027,7 +4027,7 @@
             <a:fld id="{6DA39D79-6A48-134E-B0F2-731A2600BB25}" type="datetimeFigureOut">
               <a:rPr lang="en-US" smtClean="0"/>
               <a:pPr/>
-              <a:t>6/8/2013</a:t>
+              <a:t>6/21/2013</a:t>
             </a:fld>
             <a:endParaRPr lang="en-US"/>
           </a:p>
@@ -4239,7 +4239,7 @@
             <a:fld id="{6DA39D79-6A48-134E-B0F2-731A2600BB25}" type="datetimeFigureOut">
               <a:rPr lang="en-US" smtClean="0"/>
               <a:pPr/>
-              <a:t>6/8/2013</a:t>
+              <a:t>6/21/2013</a:t>
             </a:fld>
             <a:endParaRPr lang="en-US"/>
           </a:p>
@@ -4656,7 +4656,7 @@
             <a:fld id="{6DA39D79-6A48-134E-B0F2-731A2600BB25}" type="datetimeFigureOut">
               <a:rPr lang="en-US" smtClean="0"/>
               <a:pPr/>
-              <a:t>6/8/2013</a:t>
+              <a:t>6/21/2013</a:t>
             </a:fld>
             <a:endParaRPr lang="en-US"/>
           </a:p>
@@ -4970,7 +4970,7 @@
             <a:fld id="{6DA39D79-6A48-134E-B0F2-731A2600BB25}" type="datetimeFigureOut">
               <a:rPr lang="en-US" smtClean="0"/>
               <a:pPr/>
-              <a:t>6/8/2013</a:t>
+              <a:t>6/21/2013</a:t>
             </a:fld>
             <a:endParaRPr lang="en-US"/>
           </a:p>
@@ -5310,7 +5310,7 @@
             <a:fld id="{6DA39D79-6A48-134E-B0F2-731A2600BB25}" type="datetimeFigureOut">
               <a:rPr lang="en-US" smtClean="0"/>
               <a:pPr/>
-              <a:t>6/8/2013</a:t>
+              <a:t>6/21/2013</a:t>
             </a:fld>
             <a:endParaRPr lang="en-US"/>
           </a:p>
@@ -5982,7 +5982,7 @@
             <a:fld id="{6DA39D79-6A48-134E-B0F2-731A2600BB25}" type="datetimeFigureOut">
               <a:rPr lang="en-US" smtClean="0"/>
               <a:pPr/>
-              <a:t>6/8/2013</a:t>
+              <a:t>6/21/2013</a:t>
             </a:fld>
             <a:endParaRPr lang="en-US"/>
           </a:p>
@@ -6513,7 +6513,7 @@
             <a:fld id="{6DA39D79-6A48-134E-B0F2-731A2600BB25}" type="datetimeFigureOut">
               <a:rPr lang="en-US" smtClean="0"/>
               <a:pPr/>
-              <a:t>6/8/2013</a:t>
+              <a:t>6/21/2013</a:t>
             </a:fld>
             <a:endParaRPr lang="en-US" dirty="0"/>
           </a:p>
@@ -7307,17 +7307,25 @@
           <a:lstStyle/>
           <a:p>
             <a:r>
-              <a:rPr lang="en-US" smtClean="0"/>
+              <a:rPr lang="en-US" dirty="0" smtClean="0"/>
               <a:t>The new PowerPoint Dome Tool makes it easy to create wrap-around presentations for a digital dome.</a:t>
             </a:r>
           </a:p>
           <a:p>
-            <a:endParaRPr lang="en-US" smtClean="0"/>
-          </a:p>
-          <a:p>
-            <a:r>
-              <a:rPr lang="en-US" smtClean="0"/>
-              <a:t>The template works with Microsoft PowerPoint, Google Docs, and LibreOffice.</a:t>
+            <a:endParaRPr lang="en-US" dirty="0" smtClean="0"/>
+          </a:p>
+          <a:p>
+            <a:r>
+              <a:rPr lang="en-US" dirty="0" smtClean="0"/>
+              <a:t>The template works with Microsoft PowerPoint, Google Docs, and </a:t>
+            </a:r>
+            <a:r>
+              <a:rPr lang="en-US" dirty="0" err="1" smtClean="0"/>
+              <a:t>LibreOffice</a:t>
+            </a:r>
+            <a:r>
+              <a:rPr lang="en-US" dirty="0" smtClean="0"/>
+              <a:t>.</a:t>
             </a:r>
             <a:endParaRPr lang="en-US" dirty="0"/>
           </a:p>
@@ -7339,7 +7347,7 @@
           <a:lstStyle/>
           <a:p>
             <a:r>
-              <a:rPr lang="en-US" smtClean="0"/>
+              <a:rPr lang="en-US" dirty="0" smtClean="0"/>
               <a:t>360° PowerPoint Presentations</a:t>
             </a:r>
             <a:endParaRPr lang="en-US" dirty="0"/>
@@ -7710,8 +7718,8 @@
           <a:lstStyle/>
           <a:p>
             <a:r>
-              <a:rPr lang="en-US" smtClean="0"/>
-              <a:t>Export 360°x140° Slides</a:t>
+              <a:rPr lang="en-US" dirty="0" smtClean="0"/>
+              <a:t>Export 360°x90° Slides</a:t>
             </a:r>
             <a:endParaRPr lang="en-US" dirty="0"/>
           </a:p>
